--- a/docs/diagrams/ArchitectureDiagram.pptx
+++ b/docs/diagrams/ArchitectureDiagram.pptx
@@ -243,7 +243,7 @@
           <a:p>
             <a:fld id="{01232E18-478A-4864-8FEB-26692C817BCB}" type="datetimeFigureOut">
               <a:rPr lang="en-SG" smtClean="0"/>
-              <a:t>31/10/2020</a:t>
+              <a:t>7/11/2020</a:t>
             </a:fld>
             <a:endParaRPr lang="en-SG"/>
           </a:p>
@@ -413,7 +413,7 @@
           <a:p>
             <a:fld id="{01232E18-478A-4864-8FEB-26692C817BCB}" type="datetimeFigureOut">
               <a:rPr lang="en-SG" smtClean="0"/>
-              <a:t>31/10/2020</a:t>
+              <a:t>7/11/2020</a:t>
             </a:fld>
             <a:endParaRPr lang="en-SG"/>
           </a:p>
@@ -593,7 +593,7 @@
           <a:p>
             <a:fld id="{01232E18-478A-4864-8FEB-26692C817BCB}" type="datetimeFigureOut">
               <a:rPr lang="en-SG" smtClean="0"/>
-              <a:t>31/10/2020</a:t>
+              <a:t>7/11/2020</a:t>
             </a:fld>
             <a:endParaRPr lang="en-SG"/>
           </a:p>
@@ -763,7 +763,7 @@
           <a:p>
             <a:fld id="{01232E18-478A-4864-8FEB-26692C817BCB}" type="datetimeFigureOut">
               <a:rPr lang="en-SG" smtClean="0"/>
-              <a:t>31/10/2020</a:t>
+              <a:t>7/11/2020</a:t>
             </a:fld>
             <a:endParaRPr lang="en-SG"/>
           </a:p>
@@ -1007,7 +1007,7 @@
           <a:p>
             <a:fld id="{01232E18-478A-4864-8FEB-26692C817BCB}" type="datetimeFigureOut">
               <a:rPr lang="en-SG" smtClean="0"/>
-              <a:t>31/10/2020</a:t>
+              <a:t>7/11/2020</a:t>
             </a:fld>
             <a:endParaRPr lang="en-SG"/>
           </a:p>
@@ -1239,7 +1239,7 @@
           <a:p>
             <a:fld id="{01232E18-478A-4864-8FEB-26692C817BCB}" type="datetimeFigureOut">
               <a:rPr lang="en-SG" smtClean="0"/>
-              <a:t>31/10/2020</a:t>
+              <a:t>7/11/2020</a:t>
             </a:fld>
             <a:endParaRPr lang="en-SG"/>
           </a:p>
@@ -1606,7 +1606,7 @@
           <a:p>
             <a:fld id="{01232E18-478A-4864-8FEB-26692C817BCB}" type="datetimeFigureOut">
               <a:rPr lang="en-SG" smtClean="0"/>
-              <a:t>31/10/2020</a:t>
+              <a:t>7/11/2020</a:t>
             </a:fld>
             <a:endParaRPr lang="en-SG"/>
           </a:p>
@@ -1724,7 +1724,7 @@
           <a:p>
             <a:fld id="{01232E18-478A-4864-8FEB-26692C817BCB}" type="datetimeFigureOut">
               <a:rPr lang="en-SG" smtClean="0"/>
-              <a:t>31/10/2020</a:t>
+              <a:t>7/11/2020</a:t>
             </a:fld>
             <a:endParaRPr lang="en-SG"/>
           </a:p>
@@ -1819,7 +1819,7 @@
           <a:p>
             <a:fld id="{01232E18-478A-4864-8FEB-26692C817BCB}" type="datetimeFigureOut">
               <a:rPr lang="en-SG" smtClean="0"/>
-              <a:t>31/10/2020</a:t>
+              <a:t>7/11/2020</a:t>
             </a:fld>
             <a:endParaRPr lang="en-SG"/>
           </a:p>
@@ -2096,7 +2096,7 @@
           <a:p>
             <a:fld id="{01232E18-478A-4864-8FEB-26692C817BCB}" type="datetimeFigureOut">
               <a:rPr lang="en-SG" smtClean="0"/>
-              <a:t>31/10/2020</a:t>
+              <a:t>7/11/2020</a:t>
             </a:fld>
             <a:endParaRPr lang="en-SG"/>
           </a:p>
@@ -2353,7 +2353,7 @@
           <a:p>
             <a:fld id="{01232E18-478A-4864-8FEB-26692C817BCB}" type="datetimeFigureOut">
               <a:rPr lang="en-SG" smtClean="0"/>
-              <a:t>31/10/2020</a:t>
+              <a:t>7/11/2020</a:t>
             </a:fld>
             <a:endParaRPr lang="en-SG"/>
           </a:p>
@@ -2566,7 +2566,7 @@
           <a:p>
             <a:fld id="{01232E18-478A-4864-8FEB-26692C817BCB}" type="datetimeFigureOut">
               <a:rPr lang="en-SG" smtClean="0"/>
-              <a:t>31/10/2020</a:t>
+              <a:t>7/11/2020</a:t>
             </a:fld>
             <a:endParaRPr lang="en-SG"/>
           </a:p>
@@ -3819,6 +3819,53 @@
           </a:fontRef>
         </p:style>
       </p:cxnSp>
+      <p:cxnSp>
+        <p:nvCxnSpPr>
+          <p:cNvPr id="8" name="Connector: Curved 7">
+            <a:extLst>
+              <a:ext uri="{FF2B5EF4-FFF2-40B4-BE49-F238E27FC236}">
+                <a16:creationId xmlns:a16="http://schemas.microsoft.com/office/drawing/2014/main" id="{B88AC106-F45F-4593-B3DE-BF7DA5292CB0}"/>
+              </a:ext>
+            </a:extLst>
+          </p:cNvPr>
+          <p:cNvCxnSpPr>
+            <a:stCxn id="10" idx="3"/>
+            <a:endCxn id="12" idx="3"/>
+          </p:cNvCxnSpPr>
+          <p:nvPr/>
+        </p:nvCxnSpPr>
+        <p:spPr>
+          <a:xfrm flipH="1">
+            <a:off x="6716960" y="2772912"/>
+            <a:ext cx="1765885" cy="3173209"/>
+          </a:xfrm>
+          <a:prstGeom prst="curvedConnector3">
+            <a:avLst>
+              <a:gd name="adj1" fmla="val -31947"/>
+            </a:avLst>
+          </a:prstGeom>
+          <a:ln w="28575">
+            <a:solidFill>
+              <a:srgbClr val="00B050"/>
+            </a:solidFill>
+            <a:tailEnd type="triangle"/>
+          </a:ln>
+        </p:spPr>
+        <p:style>
+          <a:lnRef idx="1">
+            <a:schemeClr val="accent1"/>
+          </a:lnRef>
+          <a:fillRef idx="0">
+            <a:schemeClr val="accent1"/>
+          </a:fillRef>
+          <a:effectRef idx="0">
+            <a:schemeClr val="accent1"/>
+          </a:effectRef>
+          <a:fontRef idx="minor">
+            <a:schemeClr val="tx1"/>
+          </a:fontRef>
+        </p:style>
+      </p:cxnSp>
     </p:spTree>
     <p:extLst>
       <p:ext uri="{BB962C8B-B14F-4D97-AF65-F5344CB8AC3E}">
